--- a/Multi_Layer_Graph_Projections.pptx
+++ b/Multi_Layer_Graph_Projections.pptx
@@ -21,7 +21,6 @@
     <p:sldId id="269" r:id="rId20"/>
     <p:sldId id="270" r:id="rId21"/>
     <p:sldId id="271" r:id="rId22"/>
-    <p:sldId id="272" r:id="rId23"/>
   </p:sldIdLst>
   <p:sldSz cx="9144000" cy="6858000" type="screen4x3"/>
   <p:notesSz cx="6858000" cy="9144000"/>
@@ -3148,7 +3147,7 @@
           <a:lstStyle/>
           <a:p>
             <a:pPr>
-              <a:defRPr sz="2000">
+              <a:defRPr sz="1800">
                 <a:solidFill>
                   <a:srgbClr val="BDC3C7"/>
                 </a:solidFill>
@@ -3160,7 +3159,7 @@
           </a:p>
           <a:p>
             <a:r>
-              <a:t>Scale Operations &amp; Layer Management</a:t>
+              <a:t>Preserving Original Data While Enabling Graph Transforms</a:t>
             </a:r>
           </a:p>
         </p:txBody>
@@ -3199,7 +3198,7 @@
           <a:lstStyle/>
           <a:p>
             <a:r>
-              <a:t>CLI Example: atg layer show default</a:t>
+              <a:t>CLI Tutorial: Create New Layer</a:t>
             </a:r>
           </a:p>
         </p:txBody>
@@ -3218,63 +3217,93 @@
         <p:txBody>
           <a:bodyPr/>
           <a:lstStyle/>
+          <a:p>
+            <a:pPr>
+              <a:spcAft>
+                <a:spcPts val="600"/>
+              </a:spcAft>
+              <a:defRPr b="1" sz="1600"/>
+            </a:pPr>
+            <a:r>
+              <a:t>Command:</a:t>
+            </a:r>
+          </a:p>
           <a:p>
             <a:pPr>
               <a:spcAft>
                 <a:spcPts val="1200"/>
               </a:spcAft>
-              <a:defRPr sz="1400" b="1">
+              <a:defRPr sz="1300" b="1">
+                <a:solidFill>
+                  <a:srgbClr val="5EA8A7"/>
+                </a:solidFill>
                 <a:latin typeface="Courier New"/>
               </a:defRPr>
             </a:pPr>
             <a:r>
-              <a:t>$ atg layer show default</a:t>
-            </a:r>
-          </a:p>
-          <a:p>
+              <a:t>$ atg layer create experimental-v1 \</a:t>
+            </a:r>
+            <a:br/>
+            <a:r>
+              <a:t>    --name "Test Environment" \</a:t>
+            </a:r>
+            <a:br/>
+            <a:r>
+              <a:t>    --type experimental</a:t>
+            </a:r>
+          </a:p>
+          <a:p>
+            <a:pPr>
+              <a:spcAft>
+                <a:spcPts val="600"/>
+              </a:spcAft>
+              <a:defRPr b="1" sz="1600"/>
+            </a:pPr>
+            <a:r>
+              <a:t>Output:</a:t>
+            </a:r>
+          </a:p>
+          <a:p>
+            <a:pPr>
+              <a:defRPr sz="1400">
+                <a:latin typeface="Courier New"/>
+              </a:defRPr>
+            </a:pPr>
+            <a:r>
+              <a:t>Created layer: experimental-v1 (active=False)</a:t>
+            </a:r>
+          </a:p>
+          <a:p>
+            <a:pPr>
+              <a:defRPr sz="1400">
+                <a:solidFill>
+                  <a:srgbClr val="2ECC71"/>
+                </a:solidFill>
+              </a:defRPr>
+            </a:pPr>
+            <a:r>
+              <a:t>✓ Layer created successfully</a:t>
+            </a:r>
+          </a:p>
+          <a:p>
+            <a:br/>
             <a:pPr>
               <a:defRPr sz="1300">
                 <a:latin typeface="Courier New"/>
               </a:defRPr>
             </a:pPr>
             <a:r>
-              <a:t>╭──────────── Layer: default ────────────╮</a:t>
-            </a:r>
-            <a:br/>
-            <a:r>
-              <a:t>│ Name: Default Baseline                 │</a:t>
-            </a:r>
-            <a:br/>
-            <a:r>
-              <a:t>│ Description: 1:1 abstraction           │</a:t>
-            </a:r>
-            <a:br/>
-            <a:r>
-              <a:t>│ Type: baseline                         │</a:t>
-            </a:r>
-            <a:br/>
-            <a:r>
-              <a:t>│ Status: Active, Baseline               │</a:t>
-            </a:r>
-            <a:br/>
-            <a:r>
-              <a:t>│                                        │</a:t>
-            </a:r>
-            <a:br/>
-            <a:r>
-              <a:t>│ Statistics:                            │</a:t>
-            </a:r>
-            <a:br/>
-            <a:r>
-              <a:t>│   Nodes:         56 resources          │</a:t>
-            </a:r>
-            <a:br/>
-            <a:r>
-              <a:t>│   Relationships:  5 connections        │</a:t>
-            </a:r>
-            <a:br/>
-            <a:r>
-              <a:t>╰────────────────────────────────────────╯</a:t>
+              <a:t>Layer ID: experimental-v1</a:t>
+            </a:r>
+          </a:p>
+          <a:p>
+            <a:pPr>
+              <a:defRPr sz="1300">
+                <a:latin typeface="Courier New"/>
+              </a:defRPr>
+            </a:pPr>
+            <a:r>
+              <a:t>Node count: 0 (empty layer)</a:t>
             </a:r>
           </a:p>
         </p:txBody>
@@ -3299,59 +3328,127 @@
       <p:grpSpPr/>
       <p:sp>
         <p:nvSpPr>
-          <p:cNvPr id="2" name="TextBox 1"/>
-          <p:cNvSpPr txBox="1"/>
-          <p:nvPr/>
-        </p:nvSpPr>
-        <p:spPr>
-          <a:xfrm>
-            <a:off x="457200" y="274320"/>
-            <a:ext cx="8229600" cy="548640"/>
-          </a:xfrm>
-          <a:prstGeom prst="rect">
-            <a:avLst/>
-          </a:prstGeom>
-          <a:noFill/>
-        </p:spPr>
-        <p:txBody>
-          <a:bodyPr wrap="none">
-            <a:spAutoFit/>
-          </a:bodyPr>
-          <a:lstStyle/>
-          <a:p>
-            <a:pPr>
-              <a:defRPr sz="3200" b="1"/>
-            </a:pPr>
-            <a:r>
-              <a:t>UI: Layer Selector in Scale Operations Tab</a:t>
-            </a:r>
-          </a:p>
-        </p:txBody>
-      </p:sp>
-      <p:pic>
-        <p:nvPicPr>
-          <p:cNvPr id="3" name="Picture 2" descr="layer-selector-scale-ops-full.png"/>
-          <p:cNvPicPr>
-            <a:picLocks noChangeAspect="1"/>
-          </p:cNvPicPr>
-          <p:nvPr/>
-        </p:nvPicPr>
-        <p:blipFill>
-          <a:blip r:embed="rId2"/>
-          <a:stretch>
-            <a:fillRect/>
-          </a:stretch>
-        </p:blipFill>
-        <p:spPr>
-          <a:xfrm>
-            <a:off x="457200" y="1005840"/>
-            <a:ext cx="8229600" cy="4629150"/>
-          </a:xfrm>
-          <a:prstGeom prst="rect">
-            <a:avLst/>
-          </a:prstGeom>
-        </p:spPr>
-      </p:pic>
+          <p:cNvPr id="2" name="Title 1"/>
+          <p:cNvSpPr>
+            <a:spLocks noGrp="1"/>
+          </p:cNvSpPr>
+          <p:nvPr>
+            <p:ph type="title"/>
+          </p:nvPr>
+        </p:nvSpPr>
+        <p:spPr/>
+        <p:txBody>
+          <a:bodyPr/>
+          <a:lstStyle/>
+          <a:p>
+            <a:r>
+              <a:t>Scale-Up to New Layer (Non-Destructive)</a:t>
+            </a:r>
+          </a:p>
+        </p:txBody>
+      </p:sp>
+      <p:sp>
+        <p:nvSpPr>
+          <p:cNvPr id="3" name="Content Placeholder 2"/>
+          <p:cNvSpPr>
+            <a:spLocks noGrp="1"/>
+          </p:cNvSpPr>
+          <p:nvPr>
+            <p:ph idx="1"/>
+          </p:nvPr>
+        </p:nvSpPr>
+        <p:spPr/>
+        <p:txBody>
+          <a:bodyPr/>
+          <a:lstStyle/>
+          <a:p>
+            <a:pPr>
+              <a:spcAft>
+                <a:spcPts val="800"/>
+              </a:spcAft>
+              <a:defRPr sz="1600"/>
+            </a:pPr>
+            <a:r>
+              <a:t>Command to scale-up without modifying baseline:</a:t>
+            </a:r>
+          </a:p>
+          <a:p>
+            <a:pPr>
+              <a:spcAft>
+                <a:spcPts val="1200"/>
+              </a:spcAft>
+              <a:defRPr sz="1300" b="1">
+                <a:solidFill>
+                  <a:srgbClr val="5EA8A7"/>
+                </a:solidFill>
+                <a:latin typeface="Courier New"/>
+              </a:defRPr>
+            </a:pPr>
+            <a:r>
+              <a:t>$ atg scale-up template \</a:t>
+            </a:r>
+            <a:br/>
+            <a:r>
+              <a:t>    --template-file templates/scale_up_template.yaml \</a:t>
+            </a:r>
+            <a:br/>
+            <a:r>
+              <a:t>    --scale-factor 5 \</a:t>
+            </a:r>
+            <a:br/>
+            <a:r>
+              <a:t>    --target-layer scaled-5x</a:t>
+            </a:r>
+          </a:p>
+          <a:p>
+            <a:pPr>
+              <a:spcAft>
+                <a:spcPts val="800"/>
+              </a:spcAft>
+              <a:defRPr b="1" sz="1600"/>
+            </a:pPr>
+            <a:r>
+              <a:t>Result:</a:t>
+            </a:r>
+          </a:p>
+          <a:p>
+            <a:pPr>
+              <a:defRPr sz="1500"/>
+            </a:pPr>
+            <a:r>
+              <a:t>• Creates NEW layer: scaled-5x</a:t>
+            </a:r>
+          </a:p>
+          <a:p>
+            <a:pPr>
+              <a:defRPr sz="1500"/>
+            </a:pPr>
+            <a:r>
+              <a:t>• Baseline layer untouched (still 56 nodes)</a:t>
+            </a:r>
+          </a:p>
+          <a:p>
+            <a:pPr>
+              <a:defRPr sz="1500"/>
+            </a:pPr>
+            <a:r>
+              <a:t>• Scaled layer: ~280 nodes (5x scale)</a:t>
+            </a:r>
+          </a:p>
+          <a:p>
+            <a:pPr>
+              <a:defRPr sz="1500">
+                <a:solidFill>
+                  <a:srgbClr val="2ECC71"/>
+                </a:solidFill>
+              </a:defRPr>
+            </a:pPr>
+            <a:r>
+              <a:t>• Original scan preserved (5,584 nodes)</a:t>
+            </a:r>
+          </a:p>
+        </p:txBody>
+      </p:sp>
     </p:spTree>
   </p:cSld>
   <p:clrMapOvr>
@@ -3378,8 +3475,8 @@
         </p:nvSpPr>
         <p:spPr>
           <a:xfrm>
-            <a:off x="457200" y="274320"/>
-            <a:ext cx="8229600" cy="548640"/>
+            <a:off x="457200" y="182880"/>
+            <a:ext cx="8229600" cy="457200"/>
           </a:xfrm>
           <a:prstGeom prst="rect">
             <a:avLst/>
@@ -3393,7 +3490,11 @@
           <a:lstStyle/>
           <a:p>
             <a:pPr>
-              <a:defRPr sz="3200" b="1"/>
+              <a:defRPr sz="3200" b="1">
+                <a:solidFill>
+                  <a:srgbClr val="1C2833"/>
+                </a:solidFill>
+              </a:defRPr>
             </a:pPr>
             <a:r>
               <a:t>UI: Layer Selector in Application Header</a:t>
@@ -3417,8 +3518,8 @@
         </p:blipFill>
         <p:spPr>
           <a:xfrm>
-            <a:off x="457200" y="1005840"/>
-            <a:ext cx="8229600" cy="4629150"/>
+            <a:off x="274320" y="822960"/>
+            <a:ext cx="8595360" cy="4834890"/>
           </a:xfrm>
           <a:prstGeom prst="rect">
             <a:avLst/>
@@ -3445,104 +3546,63 @@
       <p:grpSpPr/>
       <p:sp>
         <p:nvSpPr>
-          <p:cNvPr id="2" name="Title 1"/>
-          <p:cNvSpPr>
-            <a:spLocks noGrp="1"/>
-          </p:cNvSpPr>
-          <p:nvPr>
-            <p:ph type="title"/>
-          </p:nvPr>
-        </p:nvSpPr>
-        <p:spPr/>
-        <p:txBody>
-          <a:bodyPr/>
-          <a:lstStyle/>
-          <a:p>
-            <a:r>
-              <a:t>Non-Destructive Operations</a:t>
-            </a:r>
-          </a:p>
-        </p:txBody>
-      </p:sp>
-      <p:sp>
-        <p:nvSpPr>
-          <p:cNvPr id="3" name="Content Placeholder 2"/>
-          <p:cNvSpPr>
-            <a:spLocks noGrp="1"/>
-          </p:cNvSpPr>
-          <p:nvPr>
-            <p:ph idx="1"/>
-          </p:nvPr>
-        </p:nvSpPr>
-        <p:spPr/>
-        <p:txBody>
-          <a:bodyPr/>
-          <a:lstStyle/>
-          <a:p>
-            <a:pPr>
-              <a:defRPr b="1" sz="2000">
+          <p:cNvPr id="2" name="TextBox 1"/>
+          <p:cNvSpPr txBox="1"/>
+          <p:nvPr/>
+        </p:nvSpPr>
+        <p:spPr>
+          <a:xfrm>
+            <a:off x="457200" y="182880"/>
+            <a:ext cx="8229600" cy="457200"/>
+          </a:xfrm>
+          <a:prstGeom prst="rect">
+            <a:avLst/>
+          </a:prstGeom>
+          <a:noFill/>
+        </p:spPr>
+        <p:txBody>
+          <a:bodyPr wrap="none">
+            <a:spAutoFit/>
+          </a:bodyPr>
+          <a:lstStyle/>
+          <a:p>
+            <a:pPr>
+              <a:defRPr sz="3200" b="1">
                 <a:solidFill>
-                  <a:srgbClr val="E74C3C"/>
+                  <a:srgbClr val="1C2833"/>
                 </a:solidFill>
               </a:defRPr>
             </a:pPr>
             <a:r>
-              <a:t>Before (PR #435): Destructive</a:t>
-            </a:r>
-          </a:p>
-          <a:p>
-            <a:pPr lvl="1">
-              <a:defRPr sz="1400">
-                <a:latin typeface="Courier New"/>
-              </a:defRPr>
-            </a:pPr>
-            <a:r>
-              <a:t>atg scale-up --scale-factor 10</a:t>
-            </a:r>
-          </a:p>
-          <a:p>
-            <a:pPr lvl="1">
-              <a:spcAft>
-                <a:spcPts val="1600"/>
-              </a:spcAft>
-              <a:defRPr sz="1400"/>
-            </a:pPr>
-            <a:r>
-              <a:t>→ Modifies existing graph (data loss risk)</a:t>
-            </a:r>
-          </a:p>
-          <a:p>
-            <a:pPr>
-              <a:defRPr b="1" sz="2000">
-                <a:solidFill>
-                  <a:srgbClr val="2ECC71"/>
-                </a:solidFill>
-              </a:defRPr>
-            </a:pPr>
-            <a:r>
-              <a:t>After (PR #459): Non-Destructive</a:t>
-            </a:r>
-          </a:p>
-          <a:p>
-            <a:pPr lvl="1">
-              <a:defRPr sz="1400">
-                <a:latin typeface="Courier New"/>
-              </a:defRPr>
-            </a:pPr>
-            <a:r>
-              <a:t>atg scale-up template --new-layer scaled-5x --scale-factor 5</a:t>
-            </a:r>
-          </a:p>
-          <a:p>
-            <a:pPr lvl="1">
-              <a:defRPr sz="1400"/>
-            </a:pPr>
-            <a:r>
-              <a:t>→ Creates NEW layer, original preserved (56 → 56 + 280 nodes)</a:t>
-            </a:r>
-          </a:p>
-        </p:txBody>
-      </p:sp>
+              <a:t>UI: Layer Selector in Scale Operations Tab</a:t>
+            </a:r>
+          </a:p>
+        </p:txBody>
+      </p:sp>
+      <p:pic>
+        <p:nvPicPr>
+          <p:cNvPr id="3" name="Picture 2" descr="layer-selector-scale-ops-full.png"/>
+          <p:cNvPicPr>
+            <a:picLocks noChangeAspect="1"/>
+          </p:cNvPicPr>
+          <p:nvPr/>
+        </p:nvPicPr>
+        <p:blipFill>
+          <a:blip r:embed="rId2"/>
+          <a:stretch>
+            <a:fillRect/>
+          </a:stretch>
+        </p:blipFill>
+        <p:spPr>
+          <a:xfrm>
+            <a:off x="274320" y="822960"/>
+            <a:ext cx="8595360" cy="4834890"/>
+          </a:xfrm>
+          <a:prstGeom prst="rect">
+            <a:avLst/>
+          </a:prstGeom>
+        </p:spPr>
+      </p:pic>
     </p:spTree>
   </p:cSld>
   <p:clrMapOvr>
@@ -3563,92 +3623,63 @@
       <p:grpSpPr/>
       <p:sp>
         <p:nvSpPr>
-          <p:cNvPr id="2" name="Title 1"/>
-          <p:cNvSpPr>
-            <a:spLocks noGrp="1"/>
-          </p:cNvSpPr>
-          <p:nvPr>
-            <p:ph type="title"/>
-          </p:nvPr>
-        </p:nvSpPr>
-        <p:spPr/>
-        <p:txBody>
-          <a:bodyPr/>
-          <a:lstStyle/>
-          <a:p>
-            <a:r>
-              <a:t>Layer Independence: The Key Benefit</a:t>
-            </a:r>
-          </a:p>
-        </p:txBody>
-      </p:sp>
-      <p:sp>
-        <p:nvSpPr>
-          <p:cNvPr id="3" name="Content Placeholder 2"/>
-          <p:cNvSpPr>
-            <a:spLocks noGrp="1"/>
-          </p:cNvSpPr>
-          <p:nvPr>
-            <p:ph idx="1"/>
-          </p:nvPr>
-        </p:nvSpPr>
-        <p:spPr/>
-        <p:txBody>
-          <a:bodyPr/>
-          <a:lstStyle/>
-          <a:p>
-            <a:pPr>
-              <a:spcAft>
-                <a:spcPts val="1200"/>
-              </a:spcAft>
-              <a:defRPr b="1" sz="1800"/>
-            </a:pPr>
-            <a:r>
-              <a:t>Each layer is completely isolated:</a:t>
-            </a:r>
-          </a:p>
-          <a:p>
-            <a:pPr lvl="1">
-              <a:defRPr sz="1600"/>
-            </a:pPr>
-            <a:r>
-              <a:t>Deleting one layer NEVER affects others</a:t>
-            </a:r>
-          </a:p>
-          <a:p>
-            <a:pPr lvl="1">
-              <a:defRPr sz="1600"/>
-            </a:pPr>
-            <a:r>
-              <a:t>Modifying one layer leaves others untouched</a:t>
-            </a:r>
-          </a:p>
-          <a:p>
-            <a:pPr lvl="1">
-              <a:defRPr sz="1600"/>
-            </a:pPr>
-            <a:r>
-              <a:t>Original scan always available for recovery</a:t>
-            </a:r>
-          </a:p>
-          <a:p>
-            <a:pPr lvl="1">
-              <a:defRPr sz="1600"/>
-            </a:pPr>
-            <a:r>
-              <a:t>Deploy different scales to different environments</a:t>
-            </a:r>
-          </a:p>
-          <a:p>
-            <a:pPr lvl="1">
-              <a:defRPr sz="1600" i="1"/>
-            </a:pPr>
-            <a:r>
-              <a:t>Like git branches for graph topology</a:t>
-            </a:r>
-          </a:p>
-        </p:txBody>
-      </p:sp>
+          <p:cNvPr id="2" name="TextBox 1"/>
+          <p:cNvSpPr txBox="1"/>
+          <p:nvPr/>
+        </p:nvSpPr>
+        <p:spPr>
+          <a:xfrm>
+            <a:off x="457200" y="182880"/>
+            <a:ext cx="8229600" cy="457200"/>
+          </a:xfrm>
+          <a:prstGeom prst="rect">
+            <a:avLst/>
+          </a:prstGeom>
+          <a:noFill/>
+        </p:spPr>
+        <p:txBody>
+          <a:bodyPr wrap="none">
+            <a:spAutoFit/>
+          </a:bodyPr>
+          <a:lstStyle/>
+          <a:p>
+            <a:pPr>
+              <a:defRPr sz="3200" b="1">
+                <a:solidFill>
+                  <a:srgbClr val="1C2833"/>
+                </a:solidFill>
+              </a:defRPr>
+            </a:pPr>
+            <a:r>
+              <a:t>SPA Visualization Tab: Interactive Graph View</a:t>
+            </a:r>
+          </a:p>
+        </p:txBody>
+      </p:sp>
+      <p:pic>
+        <p:nvPicPr>
+          <p:cNvPr id="3" name="Picture 2" descr="spa-viz-with-graph.png"/>
+          <p:cNvPicPr>
+            <a:picLocks noChangeAspect="1"/>
+          </p:cNvPicPr>
+          <p:nvPr/>
+        </p:nvPicPr>
+        <p:blipFill>
+          <a:blip r:embed="rId2"/>
+          <a:stretch>
+            <a:fillRect/>
+          </a:stretch>
+        </p:blipFill>
+        <p:spPr>
+          <a:xfrm>
+            <a:off x="274320" y="822960"/>
+            <a:ext cx="8595360" cy="4834890"/>
+          </a:xfrm>
+          <a:prstGeom prst="rect">
+            <a:avLst/>
+          </a:prstGeom>
+        </p:spPr>
+      </p:pic>
     </p:spTree>
   </p:cSld>
   <p:clrMapOvr>
@@ -3683,7 +3714,7 @@
           <a:lstStyle/>
           <a:p>
             <a:r>
-              <a:t>Production-Ready Quality</a:t>
+              <a:t>Key Features</a:t>
             </a:r>
           </a:p>
         </p:txBody>
@@ -3704,61 +3735,163 @@
           <a:lstStyle/>
           <a:p>
             <a:pPr>
+              <a:defRPr b="1" sz="1500">
+                <a:solidFill>
+                  <a:srgbClr val="5EA8A7"/>
+                </a:solidFill>
+              </a:defRPr>
+            </a:pPr>
+            <a:r>
+              <a:t>Immutable Original</a:t>
+            </a:r>
+          </a:p>
+          <a:p>
+            <a:pPr lvl="1">
               <a:spcAft>
-                <a:spcPts val="1200"/>
+                <a:spcPts val="600"/>
               </a:spcAft>
-              <a:defRPr b="1" sz="2000"/>
-            </a:pPr>
-            <a:r>
-              <a:t>Comprehensive Testing:</a:t>
+              <a:defRPr sz="1300"/>
+            </a:pPr>
+            <a:r>
+              <a:t>5,584 nodes preserved forever, never modified</a:t>
+            </a:r>
+          </a:p>
+          <a:p>
+            <a:pPr>
+              <a:defRPr b="1" sz="1500">
+                <a:solidFill>
+                  <a:srgbClr val="5EA8A7"/>
+                </a:solidFill>
+              </a:defRPr>
+            </a:pPr>
+            <a:r>
+              <a:t>Multiple Layers</a:t>
             </a:r>
           </a:p>
           <a:p>
             <a:pPr lvl="1">
-              <a:defRPr sz="1600">
+              <a:spcAft>
+                <a:spcPts val="600"/>
+              </a:spcAft>
+              <a:defRPr sz="1300"/>
+            </a:pPr>
+            <a:r>
+              <a:t>Create unlimited independent graph projections</a:t>
+            </a:r>
+          </a:p>
+          <a:p>
+            <a:pPr>
+              <a:defRPr b="1" sz="1500">
                 <a:solidFill>
-                  <a:srgbClr val="2ECC71"/>
+                  <a:srgbClr val="5EA8A7"/>
                 </a:solidFill>
               </a:defRPr>
             </a:pPr>
             <a:r>
-              <a:t>CLI: 7/7 commands tested (100% pass rate)</a:t>
+              <a:t>Active Layer</a:t>
             </a:r>
           </a:p>
           <a:p>
             <a:pPr lvl="1">
-              <a:defRPr sz="1600">
+              <a:spcAft>
+                <a:spcPts val="600"/>
+              </a:spcAft>
+              <a:defRPr sz="1300"/>
+            </a:pPr>
+            <a:r>
+              <a:t>One workspace at a time, switch anytime</a:t>
+            </a:r>
+          </a:p>
+          <a:p>
+            <a:pPr>
+              <a:defRPr b="1" sz="1500">
                 <a:solidFill>
-                  <a:srgbClr val="2ECC71"/>
+                  <a:srgbClr val="5EA8A7"/>
                 </a:solidFill>
               </a:defRPr>
             </a:pPr>
             <a:r>
-              <a:t>UI: 24/25 E2E tests passing (96% pass rate)</a:t>
+              <a:t>Non-Destructive</a:t>
             </a:r>
           </a:p>
           <a:p>
             <a:pPr lvl="1">
-              <a:defRPr sz="1600"/>
-            </a:pPr>
-            <a:r>
-              <a:t>Database: Migration verified, 56 nodes migrated</a:t>
+              <a:spcAft>
+                <a:spcPts val="600"/>
+              </a:spcAft>
+              <a:defRPr sz="1300"/>
+            </a:pPr>
+            <a:r>
+              <a:t>Scale operations create new layers</a:t>
+            </a:r>
+          </a:p>
+          <a:p>
+            <a:pPr>
+              <a:defRPr b="1" sz="1500">
+                <a:solidFill>
+                  <a:srgbClr val="5EA8A7"/>
+                </a:solidFill>
+              </a:defRPr>
+            </a:pPr>
+            <a:r>
+              <a:t>Layer Management</a:t>
             </a:r>
           </a:p>
           <a:p>
             <a:pPr lvl="1">
-              <a:defRPr sz="1600"/>
-            </a:pPr>
-            <a:r>
-              <a:t>Integration: Real Playwright tests with actual browser</a:t>
+              <a:spcAft>
+                <a:spcPts val="600"/>
+              </a:spcAft>
+              <a:defRPr sz="1300"/>
+            </a:pPr>
+            <a:r>
+              <a:t>11 CLI commands for complete control</a:t>
+            </a:r>
+          </a:p>
+          <a:p>
+            <a:pPr>
+              <a:defRPr b="1" sz="1500">
+                <a:solidFill>
+                  <a:srgbClr val="5EA8A7"/>
+                </a:solidFill>
+              </a:defRPr>
+            </a:pPr>
+            <a:r>
+              <a:t>UI Integration</a:t>
             </a:r>
           </a:p>
           <a:p>
             <a:pPr lvl="1">
-              <a:defRPr sz="1600"/>
-            </a:pPr>
-            <a:r>
-              <a:t>Documentation: 1,400+ lines complete</a:t>
+              <a:spcAft>
+                <a:spcPts val="600"/>
+              </a:spcAft>
+              <a:defRPr sz="1300"/>
+            </a:pPr>
+            <a:r>
+              <a:t>Visual layer selector in SPA</a:t>
+            </a:r>
+          </a:p>
+          <a:p>
+            <a:pPr>
+              <a:defRPr b="1" sz="1500">
+                <a:solidFill>
+                  <a:srgbClr val="5EA8A7"/>
+                </a:solidFill>
+              </a:defRPr>
+            </a:pPr>
+            <a:r>
+              <a:t>Git-Like Workflow</a:t>
+            </a:r>
+          </a:p>
+          <a:p>
+            <a:pPr lvl="1">
+              <a:spcAft>
+                <a:spcPts val="600"/>
+              </a:spcAft>
+              <a:defRPr sz="1300"/>
+            </a:pPr>
+            <a:r>
+              <a:t>Branch, compare, merge graph topologies</a:t>
             </a:r>
           </a:p>
         </p:txBody>
@@ -3797,7 +3930,7 @@
           <a:lstStyle/>
           <a:p>
             <a:r>
-              <a:t>Key Benefits</a:t>
+              <a:t>Multi-Layer Graph Projections</a:t>
             </a:r>
           </a:p>
         </p:txBody>
@@ -3818,257 +3951,71 @@
           <a:lstStyle/>
           <a:p>
             <a:pPr>
-              <a:defRPr b="1" sz="1600">
-                <a:solidFill>
-                  <a:srgbClr val="5EA8A7"/>
-                </a:solidFill>
-              </a:defRPr>
-            </a:pPr>
-            <a:r>
-              <a:t>Never Lose Data</a:t>
-            </a:r>
-          </a:p>
-          <a:p>
-            <a:pPr lvl="1">
+              <a:spcAft>
+                <a:spcPts val="1200"/>
+              </a:spcAft>
+              <a:defRPr b="1" sz="1800"/>
+            </a:pPr>
+            <a:r>
+              <a:t>Documentation &amp; Resources:</a:t>
+            </a:r>
+          </a:p>
+          <a:p>
+            <a:pPr>
+              <a:defRPr sz="1300"/>
+            </a:pPr>
+            <a:r>
+              <a:t>Architecture: /docs/architecture/MULTI_LAYER_GRAPH_ARCHITECTURE.md</a:t>
+            </a:r>
+          </a:p>
+          <a:p>
+            <a:pPr>
+              <a:defRPr sz="1300"/>
+            </a:pPr>
+            <a:r>
+              <a:t>CLI Reference: atg layer --help</a:t>
+            </a:r>
+          </a:p>
+          <a:p>
+            <a:pPr>
+              <a:defRPr sz="1300"/>
+            </a:pPr>
+            <a:r>
+              <a:t>E2E Testing: 96% pass rate (24/25 tests)</a:t>
+            </a:r>
+          </a:p>
+          <a:p>
+            <a:pPr>
+              <a:spcAft>
+                <a:spcPts val="1600"/>
+              </a:spcAft>
+              <a:defRPr sz="1300"/>
+            </a:pPr>
+            <a:r>
+              <a:t>Issue #456 | PR #459</a:t>
+            </a:r>
+          </a:p>
+          <a:p>
+            <a:pPr>
               <a:spcAft>
                 <a:spcPts val="800"/>
               </a:spcAft>
-              <a:defRPr sz="1400"/>
-            </a:pPr>
-            <a:r>
-              <a:t>Original scan preserved forever (5,584 nodes immutable)</a:t>
-            </a:r>
-          </a:p>
-          <a:p>
-            <a:pPr>
-              <a:defRPr b="1" sz="1600">
+              <a:defRPr b="1" sz="1800"/>
+            </a:pPr>
+            <a:r>
+              <a:t>Implementation Status:</a:t>
+            </a:r>
+          </a:p>
+          <a:p>
+            <a:pPr>
+              <a:defRPr sz="1600">
                 <a:solidFill>
-                  <a:srgbClr val="5EA8A7"/>
+                  <a:srgbClr val="2ECC71"/>
                 </a:solidFill>
               </a:defRPr>
             </a:pPr>
             <a:r>
-              <a:t>Safe Experimentation</a:t>
-            </a:r>
-          </a:p>
-          <a:p>
-            <a:pPr lvl="1">
-              <a:spcAft>
-                <a:spcPts val="800"/>
-              </a:spcAft>
-              <a:defRPr sz="1400"/>
-            </a:pPr>
-            <a:r>
-              <a:t>Create unlimited test layers without risk</a:t>
-            </a:r>
-          </a:p>
-          <a:p>
-            <a:pPr>
-              <a:defRPr b="1" sz="1600">
-                <a:solidFill>
-                  <a:srgbClr val="5EA8A7"/>
-                </a:solidFill>
-              </a:defRPr>
-            </a:pPr>
-            <a:r>
-              <a:t>Multiple Scales</a:t>
-            </a:r>
-          </a:p>
-          <a:p>
-            <a:pPr lvl="1">
-              <a:spcAft>
-                <a:spcPts val="800"/>
-              </a:spcAft>
-              <a:defRPr sz="1400"/>
-            </a:pPr>
-            <a:r>
-              <a:t>Deploy different sizes to different environments</a:t>
-            </a:r>
-          </a:p>
-          <a:p>
-            <a:pPr>
-              <a:defRPr b="1" sz="1600">
-                <a:solidFill>
-                  <a:srgbClr val="5EA8A7"/>
-                </a:solidFill>
-              </a:defRPr>
-            </a:pPr>
-            <a:r>
-              <a:t>Fast Workflows</a:t>
-            </a:r>
-          </a:p>
-          <a:p>
-            <a:pPr lvl="1">
-              <a:spcAft>
-                <a:spcPts val="800"/>
-              </a:spcAft>
-              <a:defRPr sz="1400"/>
-            </a:pPr>
-            <a:r>
-              <a:t>All layer commands sub-3 seconds</a:t>
-            </a:r>
-          </a:p>
-          <a:p>
-            <a:pPr>
-              <a:defRPr b="1" sz="1600">
-                <a:solidFill>
-                  <a:srgbClr val="5EA8A7"/>
-                </a:solidFill>
-              </a:defRPr>
-            </a:pPr>
-            <a:r>
-              <a:t>Git-Like</a:t>
-            </a:r>
-          </a:p>
-          <a:p>
-            <a:pPr lvl="1">
-              <a:spcAft>
-                <a:spcPts val="800"/>
-              </a:spcAft>
-              <a:defRPr sz="1400"/>
-            </a:pPr>
-            <a:r>
-              <a:t>Branch/merge model for graph topology</a:t>
-            </a:r>
-          </a:p>
-          <a:p>
-            <a:pPr>
-              <a:defRPr b="1" sz="1600">
-                <a:solidFill>
-                  <a:srgbClr val="5EA8A7"/>
-                </a:solidFill>
-              </a:defRPr>
-            </a:pPr>
-            <a:r>
-              <a:t>Production Ready</a:t>
-            </a:r>
-          </a:p>
-          <a:p>
-            <a:pPr lvl="1">
-              <a:spcAft>
-                <a:spcPts val="800"/>
-              </a:spcAft>
-              <a:defRPr sz="1400"/>
-            </a:pPr>
-            <a:r>
-              <a:t>96% E2E test pass rate</a:t>
-            </a:r>
-          </a:p>
-        </p:txBody>
-      </p:sp>
-    </p:spTree>
-  </p:cSld>
-  <p:clrMapOvr>
-    <a:masterClrMapping/>
-  </p:clrMapOvr>
-</p:sld>
-</file>
-
-<file path=ppt/slides/slide17.xml><?xml version="1.0" encoding="utf-8"?>
-<p:sld xmlns:a="http://schemas.openxmlformats.org/drawingml/2006/main" xmlns:p="http://schemas.openxmlformats.org/presentationml/2006/main" xmlns:r="http://schemas.openxmlformats.org/officeDocument/2006/relationships">
-  <p:cSld>
-    <p:spTree>
-      <p:nvGrpSpPr>
-        <p:cNvPr id="1" name=""/>
-        <p:cNvGrpSpPr/>
-        <p:nvPr/>
-      </p:nvGrpSpPr>
-      <p:grpSpPr/>
-      <p:sp>
-        <p:nvSpPr>
-          <p:cNvPr id="2" name="Title 1"/>
-          <p:cNvSpPr>
-            <a:spLocks noGrp="1"/>
-          </p:cNvSpPr>
-          <p:nvPr>
-            <p:ph type="title"/>
-          </p:nvPr>
-        </p:nvSpPr>
-        <p:spPr/>
-        <p:txBody>
-          <a:bodyPr/>
-          <a:lstStyle/>
-          <a:p>
-            <a:r>
-              <a:t>Summary: Ready for Production</a:t>
-            </a:r>
-          </a:p>
-        </p:txBody>
-      </p:sp>
-      <p:sp>
-        <p:nvSpPr>
-          <p:cNvPr id="3" name="Content Placeholder 2"/>
-          <p:cNvSpPr>
-            <a:spLocks noGrp="1"/>
-          </p:cNvSpPr>
-          <p:nvPr>
-            <p:ph idx="1"/>
-          </p:nvPr>
-        </p:nvSpPr>
-        <p:spPr/>
-        <p:txBody>
-          <a:bodyPr/>
-          <a:lstStyle/>
-          <a:p>
-            <a:pPr>
-              <a:spcAft>
-                <a:spcPts val="1200"/>
-              </a:spcAft>
-              <a:defRPr b="1" sz="2000"/>
-            </a:pPr>
-            <a:r>
-              <a:t>Implementation Complete:</a:t>
-            </a:r>
-          </a:p>
-          <a:p>
-            <a:pPr lvl="1">
-              <a:defRPr sz="1600"/>
-            </a:pPr>
-            <a:r>
-              <a:t>✓ 11 CLI commands for layer management</a:t>
-            </a:r>
-          </a:p>
-          <a:p>
-            <a:pPr lvl="1">
-              <a:defRPr sz="1600"/>
-            </a:pPr>
-            <a:r>
-              <a:t>✓ UI layer selector with real-time switching</a:t>
-            </a:r>
-          </a:p>
-          <a:p>
-            <a:pPr lvl="1">
-              <a:defRPr sz="1600"/>
-            </a:pPr>
-            <a:r>
-              <a:t>✓ Non-destructive scale operations</a:t>
-            </a:r>
-          </a:p>
-          <a:p>
-            <a:pPr lvl="1">
-              <a:defRPr sz="1600"/>
-            </a:pPr>
-            <a:r>
-              <a:t>✓ 96% E2E test pass rate (24/25 tests)</a:t>
-            </a:r>
-          </a:p>
-          <a:p>
-            <a:pPr lvl="1">
-              <a:defRPr sz="1600"/>
-            </a:pPr>
-            <a:r>
-              <a:t>✓ Original data never lost (5,584 nodes preserved)</a:t>
-            </a:r>
-          </a:p>
-          <a:p>
-            <a:pPr>
-              <a:spcBef>
-                <a:spcPts val="1600"/>
-              </a:spcBef>
-              <a:defRPr sz="1400" i="1"/>
-            </a:pPr>
-            <a:r>
-              <a:t>Issue #456 | PR #459 | Status: READY TO MERGE</a:t>
+              <a:t>✓ Production Ready</a:t>
             </a:r>
           </a:p>
         </p:txBody>
@@ -4107,7 +4054,7 @@
           <a:lstStyle/>
           <a:p>
             <a:r>
-              <a:t>The Problem: Data Loss from Scale Operations</a:t>
+              <a:t>Multi-Layer Architecture: How It Works</a:t>
             </a:r>
           </a:p>
         </p:txBody>
@@ -4129,44 +4076,44 @@
           <a:p>
             <a:pPr>
               <a:spcAft>
-                <a:spcPts val="1200"/>
+                <a:spcPts val="1600"/>
               </a:spcAft>
-              <a:defRPr b="1" sz="2000"/>
-            </a:pPr>
-            <a:r>
-              <a:t>Original Implementation (PR #435):</a:t>
+              <a:defRPr sz="1600"/>
+            </a:pPr>
+            <a:r>
+              <a:t>Azure Tenant Grapher preserves your original scan data while enabling non-destructive graph transformations through a multi-layer architecture:</a:t>
             </a:r>
           </a:p>
           <a:p>
             <a:pPr lvl="1">
-              <a:defRPr sz="1600"/>
-            </a:pPr>
-            <a:r>
-              <a:t>Database degraded from 5,584 nodes to only 56 nodes (99% data loss)</a:t>
+              <a:defRPr sz="1500"/>
+            </a:pPr>
+            <a:r>
+              <a:t>Original Graph Layer: Immutable source of truth (5,584 nodes)</a:t>
             </a:r>
           </a:p>
           <a:p>
             <a:pPr lvl="1">
-              <a:defRPr sz="1600"/>
-            </a:pPr>
-            <a:r>
-              <a:t>Scale-up and scale-down operations were DESTRUCTIVE</a:t>
+              <a:defRPr sz="1500"/>
+            </a:pPr>
+            <a:r>
+              <a:t>Multiple Abstracted Layers: Independent graph projections</a:t>
             </a:r>
           </a:p>
           <a:p>
             <a:pPr lvl="1">
-              <a:defRPr sz="1600"/>
-            </a:pPr>
-            <a:r>
-              <a:t>Testing new features could corrupt production graph</a:t>
+              <a:defRPr sz="1500"/>
+            </a:pPr>
+            <a:r>
+              <a:t>Active Layer Concept: One layer is current workspace</a:t>
             </a:r>
           </a:p>
           <a:p>
             <a:pPr lvl="1">
-              <a:defRPr sz="1600"/>
-            </a:pPr>
-            <a:r>
-              <a:t>No way to experiment safely</a:t>
+              <a:defRPr sz="1500"/>
+            </a:pPr>
+            <a:r>
+              <a:t>Layer Independence: Modifications never affect other layers</a:t>
             </a:r>
           </a:p>
         </p:txBody>
@@ -4191,92 +4138,63 @@
       <p:grpSpPr/>
       <p:sp>
         <p:nvSpPr>
-          <p:cNvPr id="2" name="Title 1"/>
-          <p:cNvSpPr>
-            <a:spLocks noGrp="1"/>
-          </p:cNvSpPr>
-          <p:nvPr>
-            <p:ph type="title"/>
-          </p:nvPr>
-        </p:nvSpPr>
-        <p:spPr/>
-        <p:txBody>
-          <a:bodyPr/>
-          <a:lstStyle/>
-          <a:p>
-            <a:r>
-              <a:t>The Solution: Multi-Layer Architecture</a:t>
-            </a:r>
-          </a:p>
-        </p:txBody>
-      </p:sp>
-      <p:sp>
-        <p:nvSpPr>
-          <p:cNvPr id="3" name="Content Placeholder 2"/>
-          <p:cNvSpPr>
-            <a:spLocks noGrp="1"/>
-          </p:cNvSpPr>
-          <p:nvPr>
-            <p:ph idx="1"/>
-          </p:nvPr>
-        </p:nvSpPr>
-        <p:spPr/>
-        <p:txBody>
-          <a:bodyPr/>
-          <a:lstStyle/>
-          <a:p>
-            <a:pPr>
-              <a:spcAft>
-                <a:spcPts val="1200"/>
-              </a:spcAft>
-              <a:defRPr b="1" sz="2000"/>
-            </a:pPr>
-            <a:r>
-              <a:t>Multiple Independent Graph Layers:</a:t>
-            </a:r>
-          </a:p>
-          <a:p>
-            <a:pPr lvl="1">
-              <a:defRPr sz="1600"/>
-            </a:pPr>
-            <a:r>
-              <a:t>Original scan preserved FOREVER (5,584 nodes - immutable)</a:t>
-            </a:r>
-          </a:p>
-          <a:p>
-            <a:pPr lvl="1">
-              <a:defRPr sz="1600"/>
-            </a:pPr>
-            <a:r>
-              <a:t>Multiple abstracted layers can coexist</a:t>
-            </a:r>
-          </a:p>
-          <a:p>
-            <a:pPr lvl="1">
-              <a:defRPr sz="1600"/>
-            </a:pPr>
-            <a:r>
-              <a:t>One active layer at a time (like git branches)</a:t>
-            </a:r>
-          </a:p>
-          <a:p>
-            <a:pPr lvl="1">
-              <a:defRPr sz="1600"/>
-            </a:pPr>
-            <a:r>
-              <a:t>Modify one layer, others completely untouched</a:t>
-            </a:r>
-          </a:p>
-          <a:p>
-            <a:pPr lvl="1">
-              <a:defRPr sz="1600"/>
-            </a:pPr>
-            <a:r>
-              <a:t>Non-destructive scale operations with --new-layer</a:t>
-            </a:r>
-          </a:p>
-        </p:txBody>
-      </p:sp>
+          <p:cNvPr id="2" name="TextBox 1"/>
+          <p:cNvSpPr txBox="1"/>
+          <p:nvPr/>
+        </p:nvSpPr>
+        <p:spPr>
+          <a:xfrm>
+            <a:off x="457200" y="274320"/>
+            <a:ext cx="8229600" cy="548640"/>
+          </a:xfrm>
+          <a:prstGeom prst="rect">
+            <a:avLst/>
+          </a:prstGeom>
+          <a:noFill/>
+        </p:spPr>
+        <p:txBody>
+          <a:bodyPr wrap="none">
+            <a:spAutoFit/>
+          </a:bodyPr>
+          <a:lstStyle/>
+          <a:p>
+            <a:pPr>
+              <a:defRPr sz="3600" b="1">
+                <a:solidFill>
+                  <a:srgbClr val="1C2833"/>
+                </a:solidFill>
+              </a:defRPr>
+            </a:pPr>
+            <a:r>
+              <a:t>Three-Tier Architecture</a:t>
+            </a:r>
+          </a:p>
+        </p:txBody>
+      </p:sp>
+      <p:pic>
+        <p:nvPicPr>
+          <p:cNvPr id="3" name="Picture 2" descr="arch-three-tier.png"/>
+          <p:cNvPicPr>
+            <a:picLocks noChangeAspect="1"/>
+          </p:cNvPicPr>
+          <p:nvPr/>
+        </p:nvPicPr>
+        <p:blipFill>
+          <a:blip r:embed="rId2"/>
+          <a:stretch>
+            <a:fillRect/>
+          </a:stretch>
+        </p:blipFill>
+        <p:spPr>
+          <a:xfrm>
+            <a:off x="731520" y="1097280"/>
+            <a:ext cx="7680960" cy="4320540"/>
+          </a:xfrm>
+          <a:prstGeom prst="rect">
+            <a:avLst/>
+          </a:prstGeom>
+        </p:spPr>
+      </p:pic>
     </p:spTree>
   </p:cSld>
   <p:clrMapOvr>
@@ -4297,107 +4215,63 @@
       <p:grpSpPr/>
       <p:sp>
         <p:nvSpPr>
-          <p:cNvPr id="2" name="Title 1"/>
-          <p:cNvSpPr>
-            <a:spLocks noGrp="1"/>
-          </p:cNvSpPr>
-          <p:nvPr>
-            <p:ph type="title"/>
-          </p:nvPr>
-        </p:nvSpPr>
-        <p:spPr/>
-        <p:txBody>
-          <a:bodyPr/>
-          <a:lstStyle/>
-          <a:p>
-            <a:r>
-              <a:t>Three-Tier Architecture</a:t>
-            </a:r>
-          </a:p>
-        </p:txBody>
-      </p:sp>
-      <p:sp>
-        <p:nvSpPr>
-          <p:cNvPr id="3" name="Content Placeholder 2"/>
-          <p:cNvSpPr>
-            <a:spLocks noGrp="1"/>
-          </p:cNvSpPr>
-          <p:nvPr>
-            <p:ph idx="1"/>
-          </p:nvPr>
-        </p:nvSpPr>
-        <p:spPr/>
-        <p:txBody>
-          <a:bodyPr/>
-          <a:lstStyle/>
-          <a:p>
-            <a:pPr>
-              <a:defRPr b="1" sz="1800">
-                <a:solidFill>
-                  <a:srgbClr val="E74C3C"/>
-                </a:solidFill>
-              </a:defRPr>
-            </a:pPr>
-            <a:r>
-              <a:t>Tier 1: Original Graph (:Resource:Original)</a:t>
-            </a:r>
-          </a:p>
-          <a:p>
-            <a:pPr lvl="1">
-              <a:spcAft>
-                <a:spcPts val="1200"/>
-              </a:spcAft>
-              <a:defRPr sz="1400"/>
-            </a:pPr>
-            <a:r>
-              <a:t>5,584 nodes from Azure scan - IMMUTABLE, never modified</a:t>
-            </a:r>
-          </a:p>
-          <a:p>
-            <a:pPr>
-              <a:defRPr b="1" sz="1800">
-                <a:solidFill>
-                  <a:srgbClr val="5EA8A7"/>
-                </a:solidFill>
-              </a:defRPr>
-            </a:pPr>
-            <a:r>
-              <a:t>Tier 2: Layer Metadata (:Layer nodes)</a:t>
-            </a:r>
-          </a:p>
-          <a:p>
-            <a:pPr lvl="1">
-              <a:spcAft>
-                <a:spcPts val="1200"/>
-              </a:spcAft>
-              <a:defRPr sz="1400"/>
-            </a:pPr>
-            <a:r>
-              <a:t>Tracks all layers with timestamps, counts, active status</a:t>
-            </a:r>
-          </a:p>
-          <a:p>
-            <a:pPr>
-              <a:defRPr b="1" sz="1800">
+          <p:cNvPr id="2" name="TextBox 1"/>
+          <p:cNvSpPr txBox="1"/>
+          <p:nvPr/>
+        </p:nvSpPr>
+        <p:spPr>
+          <a:xfrm>
+            <a:off x="457200" y="274320"/>
+            <a:ext cx="8229600" cy="548640"/>
+          </a:xfrm>
+          <a:prstGeom prst="rect">
+            <a:avLst/>
+          </a:prstGeom>
+          <a:noFill/>
+        </p:spPr>
+        <p:txBody>
+          <a:bodyPr wrap="none">
+            <a:spAutoFit/>
+          </a:bodyPr>
+          <a:lstStyle/>
+          <a:p>
+            <a:pPr>
+              <a:defRPr sz="3600" b="1">
                 <a:solidFill>
                   <a:srgbClr val="1C2833"/>
                 </a:solidFill>
               </a:defRPr>
             </a:pPr>
             <a:r>
-              <a:t>Tier 3: Abstracted Layers (:Resource + layer_id)</a:t>
-            </a:r>
-          </a:p>
-          <a:p>
-            <a:pPr lvl="1">
-              <a:defRPr sz="1400"/>
-            </a:pPr>
-            <a:r>
-              <a:t>Multiple independent projections - default (56 nodes), experimental, etc.</a:t>
-            </a:r>
-          </a:p>
-        </p:txBody>
-      </p:sp>
+              <a:t>Layer Independence Model</a:t>
+            </a:r>
+          </a:p>
+        </p:txBody>
+      </p:sp>
+      <p:pic>
+        <p:nvPicPr>
+          <p:cNvPr id="3" name="Picture 2" descr="arch-layer-independence.png"/>
+          <p:cNvPicPr>
+            <a:picLocks noChangeAspect="1"/>
+          </p:cNvPicPr>
+          <p:nvPr/>
+        </p:nvPicPr>
+        <p:blipFill>
+          <a:blip r:embed="rId2"/>
+          <a:stretch>
+            <a:fillRect/>
+          </a:stretch>
+        </p:blipFill>
+        <p:spPr>
+          <a:xfrm>
+            <a:off x="731520" y="1097280"/>
+            <a:ext cx="7680960" cy="4320540"/>
+          </a:xfrm>
+          <a:prstGeom prst="rect">
+            <a:avLst/>
+          </a:prstGeom>
+        </p:spPr>
+      </p:pic>
     </p:spTree>
   </p:cSld>
   <p:clrMapOvr>
@@ -4439,21 +4313,21 @@
           <a:lstStyle/>
           <a:p>
             <a:pPr>
-              <a:defRPr sz="3200" b="1">
+              <a:defRPr sz="3600" b="1">
                 <a:solidFill>
                   <a:srgbClr val="1C2833"/>
                 </a:solidFill>
               </a:defRPr>
             </a:pPr>
             <a:r>
-              <a:t>Baseline Layer: Current State</a:t>
+              <a:t>Active Layer Concept</a:t>
             </a:r>
           </a:p>
         </p:txBody>
       </p:sp>
       <p:pic>
         <p:nvPicPr>
-          <p:cNvPr id="3" name="Picture 2" descr="baseline_screenshot.png"/>
+          <p:cNvPr id="3" name="Picture 2" descr="arch-active-layer.png"/>
           <p:cNvPicPr>
             <a:picLocks noChangeAspect="1"/>
           </p:cNvPicPr>
@@ -4467,81 +4341,14 @@
         </p:blipFill>
         <p:spPr>
           <a:xfrm>
-            <a:off x="457200" y="1097280"/>
-            <a:ext cx="8940800" cy="5029200"/>
+            <a:off x="731520" y="1097280"/>
+            <a:ext cx="7680960" cy="4320540"/>
           </a:xfrm>
           <a:prstGeom prst="rect">
             <a:avLst/>
           </a:prstGeom>
         </p:spPr>
       </p:pic>
-      <p:sp>
-        <p:nvSpPr>
-          <p:cNvPr id="4" name="TextBox 3"/>
-          <p:cNvSpPr txBox="1"/>
-          <p:nvPr/>
-        </p:nvSpPr>
-        <p:spPr>
-          <a:xfrm>
-            <a:off x="6583680" y="1371600"/>
-            <a:ext cx="2103120" cy="1828800"/>
-          </a:xfrm>
-          <a:prstGeom prst="rect">
-            <a:avLst/>
-          </a:prstGeom>
-          <a:noFill/>
-        </p:spPr>
-        <p:txBody>
-          <a:bodyPr wrap="none">
-            <a:spAutoFit/>
-          </a:bodyPr>
-          <a:lstStyle/>
-          <a:p>
-            <a:pPr>
-              <a:defRPr b="1" sz="1600">
-                <a:solidFill>
-                  <a:srgbClr val="5EA8A7"/>
-                </a:solidFill>
-              </a:defRPr>
-            </a:pPr>
-            <a:r>
-              <a:t>Baseline Stats:</a:t>
-            </a:r>
-          </a:p>
-          <a:p>
-            <a:pPr>
-              <a:defRPr sz="1400"/>
-            </a:pPr>
-            <a:r>
-              <a:t>• 56 nodes</a:t>
-            </a:r>
-          </a:p>
-          <a:p>
-            <a:pPr>
-              <a:defRPr sz="1400"/>
-            </a:pPr>
-            <a:r>
-              <a:t>• 5 relationships</a:t>
-            </a:r>
-          </a:p>
-          <a:p>
-            <a:pPr>
-              <a:defRPr sz="1400"/>
-            </a:pPr>
-            <a:r>
-              <a:t>• Layer: default</a:t>
-            </a:r>
-          </a:p>
-          <a:p>
-            <a:pPr>
-              <a:defRPr sz="1400"/>
-            </a:pPr>
-            <a:r>
-              <a:t>• Type: baseline</a:t>
-            </a:r>
-          </a:p>
-        </p:txBody>
-      </p:sp>
     </p:spTree>
   </p:cSld>
   <p:clrMapOvr>
@@ -4568,8 +4375,8 @@
         </p:nvSpPr>
         <p:spPr>
           <a:xfrm>
-            <a:off x="457200" y="274320"/>
-            <a:ext cx="8229600" cy="548640"/>
+            <a:off x="457200" y="182880"/>
+            <a:ext cx="8229600" cy="457200"/>
           </a:xfrm>
           <a:prstGeom prst="rect">
             <a:avLst/>
@@ -4590,14 +4397,14 @@
               </a:defRPr>
             </a:pPr>
             <a:r>
-              <a:t>Scale-Up Operation: Testing at Scale</a:t>
+              <a:t>Baseline Layer Visualization (SPA)</a:t>
             </a:r>
           </a:p>
         </p:txBody>
       </p:sp>
       <p:pic>
         <p:nvPicPr>
-          <p:cNvPr id="3" name="Picture 2" descr="scaleup_screenshot.png"/>
+          <p:cNvPr id="3" name="Picture 2" descr="spa-viz-with-graph.png"/>
           <p:cNvPicPr>
             <a:picLocks noChangeAspect="1"/>
           </p:cNvPicPr>
@@ -4611,8 +4418,8 @@
         </p:blipFill>
         <p:spPr>
           <a:xfrm>
-            <a:off x="457200" y="1097280"/>
-            <a:ext cx="8940800" cy="5029200"/>
+            <a:off x="274320" y="822960"/>
+            <a:ext cx="5943600" cy="3343275"/>
           </a:xfrm>
           <a:prstGeom prst="rect">
             <a:avLst/>
@@ -4621,79 +4428,147 @@
       </p:pic>
       <p:sp>
         <p:nvSpPr>
-          <p:cNvPr id="4" name="TextBox 3"/>
-          <p:cNvSpPr txBox="1"/>
+          <p:cNvPr id="4" name="Rectangle 3"/>
+          <p:cNvSpPr/>
           <p:nvPr/>
         </p:nvSpPr>
         <p:spPr>
           <a:xfrm>
-            <a:off x="6583680" y="1371600"/>
-            <a:ext cx="2103120" cy="2286000"/>
+            <a:off x="6400800" y="1371600"/>
+            <a:ext cx="2468880" cy="3200400"/>
           </a:xfrm>
           <a:prstGeom prst="rect">
             <a:avLst/>
           </a:prstGeom>
-          <a:noFill/>
+          <a:solidFill>
+            <a:srgbClr val="FFFFFF"/>
+          </a:solidFill>
+          <a:ln w="25400">
+            <a:solidFill>
+              <a:srgbClr val="5EA8A7"/>
+            </a:solidFill>
+          </a:ln>
         </p:spPr>
-        <p:txBody>
-          <a:bodyPr wrap="none">
-            <a:spAutoFit/>
-          </a:bodyPr>
-          <a:lstStyle/>
-          <a:p>
-            <a:pPr>
-              <a:defRPr b="1" sz="1600">
+        <p:style>
+          <a:lnRef idx="1">
+            <a:schemeClr val="accent1"/>
+          </a:lnRef>
+          <a:fillRef idx="3">
+            <a:schemeClr val="accent1"/>
+          </a:fillRef>
+          <a:effectRef idx="2">
+            <a:schemeClr val="accent1"/>
+          </a:effectRef>
+          <a:fontRef idx="minor">
+            <a:schemeClr val="lt1"/>
+          </a:fontRef>
+        </p:style>
+        <p:txBody>
+          <a:bodyPr rtlCol="0" anchor="ctr" lIns="137160" tIns="137160"/>
+          <a:lstStyle/>
+          <a:p>
+            <a:pPr algn="ctr">
+              <a:spcAft>
+                <a:spcPts val="1000"/>
+              </a:spcAft>
+              <a:defRPr b="1" sz="1800">
                 <a:solidFill>
-                  <a:srgbClr val="F1C40F"/>
+                  <a:srgbClr val="5EA8A7"/>
                 </a:solidFill>
               </a:defRPr>
             </a:pPr>
             <a:r>
-              <a:t>Scale-Up Result:</a:t>
-            </a:r>
-          </a:p>
-          <a:p>
-            <a:pPr>
-              <a:defRPr sz="1400"/>
-            </a:pPr>
-            <a:r>
-              <a:t>• ~280 nodes</a:t>
-            </a:r>
-          </a:p>
-          <a:p>
-            <a:pPr>
-              <a:defRPr sz="1400"/>
-            </a:pPr>
-            <a:r>
-              <a:t>• 5x scale factor</a:t>
-            </a:r>
-          </a:p>
-          <a:p>
-            <a:pPr>
-              <a:defRPr sz="1400"/>
-            </a:pPr>
-            <a:r>
-              <a:t>• Template strategy</a:t>
-            </a:r>
-          </a:p>
-          <a:p>
-            <a:pPr>
-              <a:defRPr sz="1400"/>
-            </a:pPr>
-            <a:r>
-              <a:t>• New layer created</a:t>
-            </a:r>
-          </a:p>
-          <a:p>
-            <a:pPr>
-              <a:defRPr sz="1400">
+              <a:t>Baseline Layer</a:t>
+            </a:r>
+          </a:p>
+          <a:p>
+            <a:pPr>
+              <a:defRPr sz="1300">
+                <a:solidFill>
+                  <a:srgbClr val="1C2833"/>
+                </a:solidFill>
+              </a:defRPr>
+            </a:pPr>
+            <a:r>
+              <a:t>Layer ID: default</a:t>
+            </a:r>
+          </a:p>
+          <a:p>
+            <a:pPr>
+              <a:spcAft>
+                <a:spcPts val="1000"/>
+              </a:spcAft>
+              <a:defRPr sz="1300">
+                <a:solidFill>
+                  <a:srgbClr val="1C2833"/>
+                </a:solidFill>
+              </a:defRPr>
+            </a:pPr>
+            <a:r>
+              <a:t>Type: baseline</a:t>
+            </a:r>
+          </a:p>
+          <a:p>
+            <a:pPr>
+              <a:defRPr b="1" sz="1400">
+                <a:solidFill>
+                  <a:srgbClr val="1C2833"/>
+                </a:solidFill>
+              </a:defRPr>
+            </a:pPr>
+            <a:r>
+              <a:t>Node Counts:</a:t>
+            </a:r>
+          </a:p>
+          <a:p>
+            <a:pPr>
+              <a:defRPr sz="1300">
+                <a:solidFill>
+                  <a:srgbClr val="1C2833"/>
+                </a:solidFill>
+              </a:defRPr>
+            </a:pPr>
+            <a:r>
+              <a:t>• VMs: 50</a:t>
+            </a:r>
+          </a:p>
+          <a:p>
+            <a:pPr>
+              <a:defRPr sz="1300">
+                <a:solidFill>
+                  <a:srgbClr val="1C2833"/>
+                </a:solidFill>
+              </a:defRPr>
+            </a:pPr>
+            <a:r>
+              <a:t>• VNets: 6</a:t>
+            </a:r>
+          </a:p>
+          <a:p>
+            <a:pPr>
+              <a:spcAft>
+                <a:spcPts val="1000"/>
+              </a:spcAft>
+              <a:defRPr b="1" sz="1400">
                 <a:solidFill>
                   <a:srgbClr val="2ECC71"/>
                 </a:solidFill>
               </a:defRPr>
             </a:pPr>
             <a:r>
-              <a:t>• Baseline preserved!</a:t>
+              <a:t>TOTAL: 56 nodes</a:t>
+            </a:r>
+          </a:p>
+          <a:p>
+            <a:pPr>
+              <a:defRPr sz="1300">
+                <a:solidFill>
+                  <a:srgbClr val="1C2833"/>
+                </a:solidFill>
+              </a:defRPr>
+            </a:pPr>
+            <a:r>
+              <a:t>Relationships: 5</a:t>
             </a:r>
           </a:p>
         </p:txBody>
@@ -4718,138 +4593,152 @@
       <p:grpSpPr/>
       <p:sp>
         <p:nvSpPr>
-          <p:cNvPr id="2" name="TextBox 1"/>
-          <p:cNvSpPr txBox="1"/>
-          <p:nvPr/>
-        </p:nvSpPr>
-        <p:spPr>
-          <a:xfrm>
-            <a:off x="457200" y="274320"/>
-            <a:ext cx="8229600" cy="548640"/>
-          </a:xfrm>
-          <a:prstGeom prst="rect">
-            <a:avLst/>
-          </a:prstGeom>
-          <a:noFill/>
-        </p:spPr>
-        <p:txBody>
-          <a:bodyPr wrap="none">
-            <a:spAutoFit/>
-          </a:bodyPr>
-          <a:lstStyle/>
-          <a:p>
-            <a:pPr>
-              <a:defRPr sz="3200" b="1">
-                <a:solidFill>
-                  <a:srgbClr val="1C2833"/>
-                </a:solidFill>
-              </a:defRPr>
-            </a:pPr>
-            <a:r>
-              <a:t>Scale-Down Operation: Extract Meaningful Subset</a:t>
-            </a:r>
-          </a:p>
-        </p:txBody>
-      </p:sp>
-      <p:pic>
-        <p:nvPicPr>
-          <p:cNvPr id="3" name="Picture 2" descr="scaledown_screenshot.png"/>
-          <p:cNvPicPr>
-            <a:picLocks noChangeAspect="1"/>
-          </p:cNvPicPr>
-          <p:nvPr/>
-        </p:nvPicPr>
-        <p:blipFill>
-          <a:blip r:embed="rId2"/>
-          <a:stretch>
-            <a:fillRect/>
-          </a:stretch>
-        </p:blipFill>
-        <p:spPr>
-          <a:xfrm>
-            <a:off x="457200" y="1097280"/>
-            <a:ext cx="8940800" cy="5029200"/>
-          </a:xfrm>
-          <a:prstGeom prst="rect">
-            <a:avLst/>
-          </a:prstGeom>
-        </p:spPr>
-      </p:pic>
-      <p:sp>
-        <p:nvSpPr>
-          <p:cNvPr id="4" name="TextBox 3"/>
-          <p:cNvSpPr txBox="1"/>
-          <p:nvPr/>
-        </p:nvSpPr>
-        <p:spPr>
-          <a:xfrm>
-            <a:off x="6583680" y="1371600"/>
-            <a:ext cx="2103120" cy="2286000"/>
-          </a:xfrm>
-          <a:prstGeom prst="rect">
-            <a:avLst/>
-          </a:prstGeom>
-          <a:noFill/>
-        </p:spPr>
-        <p:txBody>
-          <a:bodyPr wrap="none">
-            <a:spAutoFit/>
-          </a:bodyPr>
-          <a:lstStyle/>
-          <a:p>
-            <a:pPr>
-              <a:defRPr b="1" sz="1600">
-                <a:solidFill>
-                  <a:srgbClr val="FF9500"/>
-                </a:solidFill>
-              </a:defRPr>
-            </a:pPr>
-            <a:r>
-              <a:t>Scale-Down Result:</a:t>
-            </a:r>
-          </a:p>
-          <a:p>
-            <a:pPr>
-              <a:defRPr sz="1400"/>
-            </a:pPr>
-            <a:r>
-              <a:t>• ~28 nodes</a:t>
-            </a:r>
-          </a:p>
-          <a:p>
-            <a:pPr>
-              <a:defRPr sz="1400"/>
-            </a:pPr>
-            <a:r>
-              <a:t>• 50% sample rate</a:t>
-            </a:r>
-          </a:p>
-          <a:p>
-            <a:pPr>
-              <a:defRPr sz="1400"/>
-            </a:pPr>
-            <a:r>
-              <a:t>• Forest Fire algorithm</a:t>
-            </a:r>
-          </a:p>
-          <a:p>
-            <a:pPr>
-              <a:defRPr sz="1400"/>
-            </a:pPr>
-            <a:r>
-              <a:t>• New layer created</a:t>
-            </a:r>
-          </a:p>
-          <a:p>
-            <a:pPr>
-              <a:defRPr sz="1400">
-                <a:solidFill>
-                  <a:srgbClr val="2ECC71"/>
-                </a:solidFill>
-              </a:defRPr>
-            </a:pPr>
-            <a:r>
-              <a:t>• Others preserved!</a:t>
+          <p:cNvPr id="2" name="Title 1"/>
+          <p:cNvSpPr>
+            <a:spLocks noGrp="1"/>
+          </p:cNvSpPr>
+          <p:nvPr>
+            <p:ph type="title"/>
+          </p:nvPr>
+        </p:nvSpPr>
+        <p:spPr/>
+        <p:txBody>
+          <a:bodyPr/>
+          <a:lstStyle/>
+          <a:p>
+            <a:r>
+              <a:t>CLI Layer Management Commands</a:t>
+            </a:r>
+          </a:p>
+        </p:txBody>
+      </p:sp>
+      <p:sp>
+        <p:nvSpPr>
+          <p:cNvPr id="3" name="Content Placeholder 2"/>
+          <p:cNvSpPr>
+            <a:spLocks noGrp="1"/>
+          </p:cNvSpPr>
+          <p:nvPr>
+            <p:ph idx="1"/>
+          </p:nvPr>
+        </p:nvSpPr>
+        <p:spPr/>
+        <p:txBody>
+          <a:bodyPr/>
+          <a:lstStyle/>
+          <a:p>
+            <a:pPr>
+              <a:spcAft>
+                <a:spcPts val="1200"/>
+              </a:spcAft>
+              <a:defRPr sz="1600"/>
+            </a:pPr>
+            <a:r>
+              <a:t>11 commands for complete layer control:</a:t>
+            </a:r>
+          </a:p>
+          <a:p>
+            <a:pPr>
+              <a:spcAft>
+                <a:spcPts val="400"/>
+              </a:spcAft>
+              <a:defRPr sz="1300">
+                <a:latin typeface="Courier New"/>
+              </a:defRPr>
+            </a:pPr>
+            <a:r>
+              <a:t>atg layer list</a:t>
+            </a:r>
+          </a:p>
+          <a:p>
+            <a:pPr>
+              <a:spcAft>
+                <a:spcPts val="400"/>
+              </a:spcAft>
+              <a:defRPr sz="1300">
+                <a:latin typeface="Courier New"/>
+              </a:defRPr>
+            </a:pPr>
+            <a:r>
+              <a:t>atg layer show &lt;layer-id&gt;</a:t>
+            </a:r>
+          </a:p>
+          <a:p>
+            <a:pPr>
+              <a:spcAft>
+                <a:spcPts val="400"/>
+              </a:spcAft>
+              <a:defRPr sz="1300">
+                <a:latin typeface="Courier New"/>
+              </a:defRPr>
+            </a:pPr>
+            <a:r>
+              <a:t>atg layer active [layer-id]</a:t>
+            </a:r>
+          </a:p>
+          <a:p>
+            <a:pPr>
+              <a:spcAft>
+                <a:spcPts val="400"/>
+              </a:spcAft>
+              <a:defRPr sz="1300">
+                <a:latin typeface="Courier New"/>
+              </a:defRPr>
+            </a:pPr>
+            <a:r>
+              <a:t>atg layer create &lt;layer-id&gt; --name "Name" --type baseline|experimental</a:t>
+            </a:r>
+          </a:p>
+          <a:p>
+            <a:pPr>
+              <a:spcAft>
+                <a:spcPts val="400"/>
+              </a:spcAft>
+              <a:defRPr sz="1300">
+                <a:latin typeface="Courier New"/>
+              </a:defRPr>
+            </a:pPr>
+            <a:r>
+              <a:t>atg layer copy &lt;source&gt; &lt;dest&gt;</a:t>
+            </a:r>
+          </a:p>
+          <a:p>
+            <a:pPr>
+              <a:spcAft>
+                <a:spcPts val="400"/>
+              </a:spcAft>
+              <a:defRPr sz="1300">
+                <a:latin typeface="Courier New"/>
+              </a:defRPr>
+            </a:pPr>
+            <a:r>
+              <a:t>atg layer diff &lt;layer1&gt; &lt;layer2&gt;</a:t>
+            </a:r>
+          </a:p>
+          <a:p>
+            <a:pPr>
+              <a:spcAft>
+                <a:spcPts val="400"/>
+              </a:spcAft>
+              <a:defRPr sz="1300">
+                <a:latin typeface="Courier New"/>
+              </a:defRPr>
+            </a:pPr>
+            <a:r>
+              <a:t>atg layer delete &lt;layer-id&gt;</a:t>
+            </a:r>
+          </a:p>
+          <a:p>
+            <a:pPr>
+              <a:spcAft>
+                <a:spcPts val="400"/>
+              </a:spcAft>
+              <a:defRPr sz="1300">
+                <a:latin typeface="Courier New"/>
+              </a:defRPr>
+            </a:pPr>
+            <a:r>
+              <a:t>atg layer validate &lt;layer-id&gt;</a:t>
             </a:r>
           </a:p>
         </p:txBody>
@@ -4888,7 +4777,7 @@
           <a:lstStyle/>
           <a:p>
             <a:r>
-              <a:t>CLI Layer Management: 11 Commands</a:t>
+              <a:t>CLI Tutorial: List Layers</a:t>
             </a:r>
           </a:p>
         </p:txBody>
@@ -4912,12 +4801,26 @@
               <a:spcAft>
                 <a:spcPts val="600"/>
               </a:spcAft>
-              <a:defRPr sz="1400">
+              <a:defRPr b="1" sz="1600"/>
+            </a:pPr>
+            <a:r>
+              <a:t>Command:</a:t>
+            </a:r>
+          </a:p>
+          <a:p>
+            <a:pPr>
+              <a:spcAft>
+                <a:spcPts val="1200"/>
+              </a:spcAft>
+              <a:defRPr sz="1500" b="1">
+                <a:solidFill>
+                  <a:srgbClr val="5EA8A7"/>
+                </a:solidFill>
                 <a:latin typeface="Courier New"/>
               </a:defRPr>
             </a:pPr>
             <a:r>
-              <a:t>atg layer list - Show all layers</a:t>
+              <a:t>$ atg layer list</a:t>
             </a:r>
           </a:p>
           <a:p>
@@ -4925,129 +4828,36 @@
               <a:spcAft>
                 <a:spcPts val="600"/>
               </a:spcAft>
-              <a:defRPr sz="1400">
+              <a:defRPr b="1" sz="1600"/>
+            </a:pPr>
+            <a:r>
+              <a:t>Output:</a:t>
+            </a:r>
+          </a:p>
+          <a:p>
+            <a:pPr>
+              <a:defRPr sz="1200">
                 <a:latin typeface="Courier New"/>
               </a:defRPr>
             </a:pPr>
             <a:r>
-              <a:t>atg layer show &lt;id&gt; - Display layer details</a:t>
-            </a:r>
-          </a:p>
-          <a:p>
-            <a:pPr>
-              <a:spcAft>
-                <a:spcPts val="600"/>
-              </a:spcAft>
-              <a:defRPr sz="1400">
-                <a:latin typeface="Courier New"/>
-              </a:defRPr>
-            </a:pPr>
-            <a:r>
-              <a:t>atg layer active - Show/set active layer</a:t>
-            </a:r>
-          </a:p>
-          <a:p>
-            <a:pPr>
-              <a:spcAft>
-                <a:spcPts val="600"/>
-              </a:spcAft>
-              <a:defRPr sz="1400">
-                <a:latin typeface="Courier New"/>
-              </a:defRPr>
-            </a:pPr>
-            <a:r>
-              <a:t>atg layer create &lt;id&gt; - Create new layer</a:t>
-            </a:r>
-          </a:p>
-          <a:p>
-            <a:pPr>
-              <a:spcAft>
-                <a:spcPts val="600"/>
-              </a:spcAft>
-              <a:defRPr sz="1400">
-                <a:latin typeface="Courier New"/>
-              </a:defRPr>
-            </a:pPr>
-            <a:r>
-              <a:t>atg layer copy &lt;src&gt; &lt;dst&gt; - Duplicate layer</a:t>
-            </a:r>
-          </a:p>
-          <a:p>
-            <a:pPr>
-              <a:spcAft>
-                <a:spcPts val="600"/>
-              </a:spcAft>
-              <a:defRPr sz="1400">
-                <a:latin typeface="Courier New"/>
-              </a:defRPr>
-            </a:pPr>
-            <a:r>
-              <a:t>atg layer diff &lt;l1&gt; &lt;l2&gt; - Compare layers</a:t>
-            </a:r>
-          </a:p>
-          <a:p>
-            <a:pPr>
-              <a:spcAft>
-                <a:spcPts val="600"/>
-              </a:spcAft>
-              <a:defRPr sz="1400">
-                <a:latin typeface="Courier New"/>
-              </a:defRPr>
-            </a:pPr>
-            <a:r>
-              <a:t>atg layer delete &lt;id&gt; - Remove layer</a:t>
-            </a:r>
-          </a:p>
-          <a:p>
-            <a:pPr>
-              <a:spcAft>
-                <a:spcPts val="600"/>
-              </a:spcAft>
-              <a:defRPr sz="1400">
-                <a:latin typeface="Courier New"/>
-              </a:defRPr>
-            </a:pPr>
-            <a:r>
-              <a:t>atg layer validate &lt;id&gt; - Check integrity</a:t>
-            </a:r>
-          </a:p>
-          <a:p>
-            <a:pPr>
-              <a:spcAft>
-                <a:spcPts val="600"/>
-              </a:spcAft>
-              <a:defRPr sz="1400">
-                <a:latin typeface="Courier New"/>
-              </a:defRPr>
-            </a:pPr>
-            <a:r>
-              <a:t>atg layer archive &lt;id&gt; - Export to JSON</a:t>
-            </a:r>
-          </a:p>
-          <a:p>
-            <a:pPr>
-              <a:spcAft>
-                <a:spcPts val="600"/>
-              </a:spcAft>
-              <a:defRPr sz="1400">
-                <a:latin typeface="Courier New"/>
-              </a:defRPr>
-            </a:pPr>
-            <a:r>
-              <a:t>atg layer restore &lt;file&gt; - Import from JSON</a:t>
-            </a:r>
-          </a:p>
-          <a:p>
-            <a:pPr>
-              <a:spcAft>
-                <a:spcPts val="600"/>
-              </a:spcAft>
-              <a:defRPr sz="1400">
-                <a:latin typeface="Courier New"/>
-              </a:defRPr>
-            </a:pPr>
-            <a:r>
-              <a:t>atg layer refresh-stats &lt;id&gt; - Update metadata</a:t>
+              <a:t>┌──────────┬─────────┬──────┬────────┬───────┐</a:t>
+            </a:r>
+            <a:br/>
+            <a:r>
+              <a:t>│ Layer ID │ Name    │ Type │ Active │ Nodes │</a:t>
+            </a:r>
+            <a:br/>
+            <a:r>
+              <a:t>├──────────┼─────────┼──────┼────────┼───────┤</a:t>
+            </a:r>
+            <a:br/>
+            <a:r>
+              <a:t>│ default  │ Default │ base │   ✓    │    56 │</a:t>
+            </a:r>
+            <a:br/>
+            <a:r>
+              <a:t>└──────────┴─────────┴──────┴────────┴───────┘</a:t>
             </a:r>
           </a:p>
         </p:txBody>
@@ -5086,7 +4896,7 @@
           <a:lstStyle/>
           <a:p>
             <a:r>
-              <a:t>CLI Example: atg layer list</a:t>
+              <a:t>CLI Tutorial: Show Layer Details</a:t>
             </a:r>
           </a:p>
         </p:txBody>
@@ -5105,56 +4915,100 @@
         <p:txBody>
           <a:bodyPr/>
           <a:lstStyle/>
+          <a:p>
+            <a:pPr>
+              <a:spcAft>
+                <a:spcPts val="600"/>
+              </a:spcAft>
+              <a:defRPr b="1" sz="1600"/>
+            </a:pPr>
+            <a:r>
+              <a:t>Command:</a:t>
+            </a:r>
+          </a:p>
           <a:p>
             <a:pPr>
               <a:spcAft>
                 <a:spcPts val="1200"/>
               </a:spcAft>
-              <a:defRPr sz="1400" b="1">
+              <a:defRPr sz="1500" b="1">
+                <a:solidFill>
+                  <a:srgbClr val="5EA8A7"/>
+                </a:solidFill>
                 <a:latin typeface="Courier New"/>
               </a:defRPr>
             </a:pPr>
             <a:r>
-              <a:t>$ atg layer list</a:t>
-            </a:r>
-          </a:p>
-          <a:p>
-            <a:pPr>
-              <a:defRPr sz="1200">
+              <a:t>$ atg layer show default</a:t>
+            </a:r>
+          </a:p>
+          <a:p>
+            <a:pPr>
+              <a:spcAft>
+                <a:spcPts val="600"/>
+              </a:spcAft>
+              <a:defRPr b="1" sz="1600"/>
+            </a:pPr>
+            <a:r>
+              <a:t>Output:</a:t>
+            </a:r>
+          </a:p>
+          <a:p>
+            <a:pPr>
+              <a:defRPr sz="1100">
                 <a:latin typeface="Courier New"/>
               </a:defRPr>
             </a:pPr>
             <a:r>
-              <a:t>┌──────────────┬──────────┬────────┬────────┬───────┐</a:t>
+              <a:t>╭──────── Layer: default ────────╮</a:t>
             </a:r>
             <a:br/>
             <a:r>
-              <a:t>│ Layer ID     │ Name     │ Type   │ Active │ Nodes │</a:t>
+              <a:t>│ Name: Default Baseline         │</a:t>
             </a:r>
             <a:br/>
             <a:r>
-              <a:t>├──────────────┼──────────┼────────┼────────┼───────┤</a:t>
+              <a:t>│ Type: baseline                 │</a:t>
             </a:r>
             <a:br/>
             <a:r>
-              <a:t>│ test-cli-... │ Test CLI │ exper… │        │     0 │</a:t>
+              <a:t>│ Status: Active, Baseline       │</a:t>
             </a:r>
             <a:br/>
             <a:r>
-              <a:t>│ default      │ Default  │ baseli │   ✓    │    56 │</a:t>
+              <a:t>│                                │</a:t>
             </a:r>
             <a:br/>
             <a:r>
-              <a:t>└──────────────┴──────────┴────────┴────────┴───────┘</a:t>
+              <a:t>│ Statistics:                    │</a:t>
             </a:r>
             <a:br/>
+            <a:r>
+              <a:t>│   Nodes:         56 resources  │</a:t>
+            </a:r>
             <a:br/>
             <a:r>
-              <a:t>Total layers: 3</a:t>
+              <a:t>│   Relationships:  5 connection │</a:t>
             </a:r>
             <a:br/>
             <a:r>
-              <a:t>Active layer: default</a:t>
+              <a:t>│                                │</a:t>
+            </a:r>
+            <a:br/>
+            <a:r>
+              <a:t>│ Resource Types:                │</a:t>
+            </a:r>
+            <a:br/>
+            <a:r>
+              <a:t>│   VirtualMachines: 50          │</a:t>
+            </a:r>
+            <a:br/>
+            <a:r>
+              <a:t>│   VirtualNetworks:  6          │</a:t>
+            </a:r>
+            <a:br/>
+            <a:r>
+              <a:t>╰────────────────────────────────╯</a:t>
             </a:r>
           </a:p>
         </p:txBody>
